--- a/卒業論文本体/Document/ManualComparisonAC.pptx
+++ b/卒業論文本体/Document/ManualComparisonAC.pptx
@@ -104,6 +104,11 @@
       </a:defRPr>
     </a:lvl9pPr>
   </p:defaultTextStyle>
+  <p:extLst>
+    <p:ext uri="{EFAFB233-063F-42B5-8137-9DF3F51BA10A}">
+      <p15:sldGuideLst xmlns:p15="http://schemas.microsoft.com/office/powerpoint/2012/main"/>
+    </p:ext>
+  </p:extLst>
 </p:presentation>
 </file>
 
@@ -141,9 +146,42 @@
               </a:defRPr>
             </a:pPr>
             <a:r>
-              <a:rPr lang="ja-JP" altLang="en-US" sz="2800"/>
-              <a:t>従来方式手動入力による作成所要時間比較</a:t>
-            </a:r>
+              <a:rPr lang="ja-JP" altLang="en-US" sz="2800" dirty="0" smtClean="0"/>
+              <a:t>従来方式における作成</a:t>
+            </a:r>
+            <a:r>
+              <a:rPr lang="ja-JP" altLang="en-US" sz="2800" dirty="0"/>
+              <a:t>所要時間</a:t>
+            </a:r>
+            <a:r>
+              <a:rPr lang="ja-JP" altLang="en-US" sz="2800" dirty="0" smtClean="0"/>
+              <a:t>比較</a:t>
+            </a:r>
+            <a:r>
+              <a:rPr lang="en-US" altLang="ja-JP" sz="2800" dirty="0" smtClean="0"/>
+              <a:t>(</a:t>
+            </a:r>
+            <a:r>
+              <a:rPr lang="ja-JP" altLang="en-US" sz="2800" dirty="0" smtClean="0"/>
+              <a:t>被験者</a:t>
+            </a:r>
+            <a:r>
+              <a:rPr lang="en-US" altLang="ja-JP" sz="2800" dirty="0" smtClean="0"/>
+              <a:t>A</a:t>
+            </a:r>
+            <a:r>
+              <a:rPr lang="ja-JP" altLang="en-US" sz="2800" dirty="0" err="1" smtClean="0"/>
+              <a:t>，</a:t>
+            </a:r>
+            <a:r>
+              <a:rPr lang="ja-JP" altLang="en-US" sz="2800" dirty="0" smtClean="0"/>
+              <a:t>被験者</a:t>
+            </a:r>
+            <a:r>
+              <a:rPr lang="en-US" altLang="ja-JP" sz="2800" dirty="0" smtClean="0"/>
+              <a:t>C)</a:t>
+            </a:r>
+            <a:endParaRPr lang="ja-JP" altLang="en-US" sz="2800" dirty="0"/>
           </a:p>
         </c:rich>
       </c:tx>
@@ -202,7 +240,7 @@
               <c:strCache>
                 <c:ptCount val="1"/>
                 <c:pt idx="0">
-                  <c:v>手動入力-A(秒)</c:v>
+                  <c:v>従来方式-A(秒)</c:v>
                 </c:pt>
               </c:strCache>
             </c:strRef>
@@ -307,7 +345,7 @@
               <c:strCache>
                 <c:ptCount val="1"/>
                 <c:pt idx="0">
-                  <c:v>手動入力-C(秒)</c:v>
+                  <c:v>従来方式-C(秒)</c:v>
                 </c:pt>
               </c:strCache>
             </c:strRef>
@@ -317,6 +355,7 @@
               <a:solidFill>
                 <a:schemeClr val="accent2"/>
               </a:solidFill>
+              <a:prstDash val="sysDash"/>
               <a:round/>
             </a:ln>
             <a:effectLst/>
@@ -413,11 +452,11 @@
           <c:showBubbleSize val="0"/>
         </c:dLbls>
         <c:smooth val="0"/>
-        <c:axId val="-1897173152"/>
-        <c:axId val="-1897168256"/>
+        <c:axId val="-1536121616"/>
+        <c:axId val="-1536110192"/>
       </c:lineChart>
       <c:catAx>
-        <c:axId val="-1897173152"/>
+        <c:axId val="-1536121616"/>
         <c:scaling>
           <c:orientation val="minMax"/>
         </c:scaling>
@@ -515,7 +554,7 @@
             <a:endParaRPr lang="ja-JP"/>
           </a:p>
         </c:txPr>
-        <c:crossAx val="-1897168256"/>
+        <c:crossAx val="-1536110192"/>
         <c:crosses val="autoZero"/>
         <c:auto val="1"/>
         <c:lblAlgn val="ctr"/>
@@ -523,7 +562,7 @@
         <c:noMultiLvlLbl val="0"/>
       </c:catAx>
       <c:valAx>
-        <c:axId val="-1897168256"/>
+        <c:axId val="-1536110192"/>
         <c:scaling>
           <c:orientation val="minMax"/>
         </c:scaling>
@@ -643,7 +682,7 @@
             <a:endParaRPr lang="ja-JP"/>
           </a:p>
         </c:txPr>
-        <c:crossAx val="-1897173152"/>
+        <c:crossAx val="-1536121616"/>
         <c:crosses val="autoZero"/>
         <c:crossBetween val="between"/>
       </c:valAx>
@@ -1410,7 +1449,7 @@
           <a:p>
             <a:fld id="{B2F25AD1-FC85-472D-BF30-8BF5E2B8F8D2}" type="datetimeFigureOut">
               <a:rPr kumimoji="1" lang="ja-JP" altLang="en-US" smtClean="0"/>
-              <a:t>2016/1/27</a:t>
+              <a:t>2016/2/18</a:t>
             </a:fld>
             <a:endParaRPr kumimoji="1" lang="ja-JP" altLang="en-US"/>
           </a:p>
@@ -1612,7 +1651,7 @@
           <a:p>
             <a:fld id="{B2F25AD1-FC85-472D-BF30-8BF5E2B8F8D2}" type="datetimeFigureOut">
               <a:rPr kumimoji="1" lang="ja-JP" altLang="en-US" smtClean="0"/>
-              <a:t>2016/1/27</a:t>
+              <a:t>2016/2/18</a:t>
             </a:fld>
             <a:endParaRPr kumimoji="1" lang="ja-JP" altLang="en-US"/>
           </a:p>
@@ -1824,7 +1863,7 @@
           <a:p>
             <a:fld id="{B2F25AD1-FC85-472D-BF30-8BF5E2B8F8D2}" type="datetimeFigureOut">
               <a:rPr kumimoji="1" lang="ja-JP" altLang="en-US" smtClean="0"/>
-              <a:t>2016/1/27</a:t>
+              <a:t>2016/2/18</a:t>
             </a:fld>
             <a:endParaRPr kumimoji="1" lang="ja-JP" altLang="en-US"/>
           </a:p>
@@ -2026,7 +2065,7 @@
           <a:p>
             <a:fld id="{B2F25AD1-FC85-472D-BF30-8BF5E2B8F8D2}" type="datetimeFigureOut">
               <a:rPr kumimoji="1" lang="ja-JP" altLang="en-US" smtClean="0"/>
-              <a:t>2016/1/27</a:t>
+              <a:t>2016/2/18</a:t>
             </a:fld>
             <a:endParaRPr kumimoji="1" lang="ja-JP" altLang="en-US"/>
           </a:p>
@@ -2272,7 +2311,7 @@
           <a:p>
             <a:fld id="{B2F25AD1-FC85-472D-BF30-8BF5E2B8F8D2}" type="datetimeFigureOut">
               <a:rPr kumimoji="1" lang="ja-JP" altLang="en-US" smtClean="0"/>
-              <a:t>2016/1/27</a:t>
+              <a:t>2016/2/18</a:t>
             </a:fld>
             <a:endParaRPr kumimoji="1" lang="ja-JP" altLang="en-US"/>
           </a:p>
@@ -2568,7 +2607,7 @@
           <a:p>
             <a:fld id="{B2F25AD1-FC85-472D-BF30-8BF5E2B8F8D2}" type="datetimeFigureOut">
               <a:rPr kumimoji="1" lang="ja-JP" altLang="en-US" smtClean="0"/>
-              <a:t>2016/1/27</a:t>
+              <a:t>2016/2/18</a:t>
             </a:fld>
             <a:endParaRPr kumimoji="1" lang="ja-JP" altLang="en-US"/>
           </a:p>
@@ -2999,7 +3038,7 @@
           <a:p>
             <a:fld id="{B2F25AD1-FC85-472D-BF30-8BF5E2B8F8D2}" type="datetimeFigureOut">
               <a:rPr kumimoji="1" lang="ja-JP" altLang="en-US" smtClean="0"/>
-              <a:t>2016/1/27</a:t>
+              <a:t>2016/2/18</a:t>
             </a:fld>
             <a:endParaRPr kumimoji="1" lang="ja-JP" altLang="en-US"/>
           </a:p>
@@ -3117,7 +3156,7 @@
           <a:p>
             <a:fld id="{B2F25AD1-FC85-472D-BF30-8BF5E2B8F8D2}" type="datetimeFigureOut">
               <a:rPr kumimoji="1" lang="ja-JP" altLang="en-US" smtClean="0"/>
-              <a:t>2016/1/27</a:t>
+              <a:t>2016/2/18</a:t>
             </a:fld>
             <a:endParaRPr kumimoji="1" lang="ja-JP" altLang="en-US"/>
           </a:p>
@@ -3212,7 +3251,7 @@
           <a:p>
             <a:fld id="{B2F25AD1-FC85-472D-BF30-8BF5E2B8F8D2}" type="datetimeFigureOut">
               <a:rPr kumimoji="1" lang="ja-JP" altLang="en-US" smtClean="0"/>
-              <a:t>2016/1/27</a:t>
+              <a:t>2016/2/18</a:t>
             </a:fld>
             <a:endParaRPr kumimoji="1" lang="ja-JP" altLang="en-US"/>
           </a:p>
@@ -3521,7 +3560,7 @@
           <a:p>
             <a:fld id="{B2F25AD1-FC85-472D-BF30-8BF5E2B8F8D2}" type="datetimeFigureOut">
               <a:rPr kumimoji="1" lang="ja-JP" altLang="en-US" smtClean="0"/>
-              <a:t>2016/1/27</a:t>
+              <a:t>2016/2/18</a:t>
             </a:fld>
             <a:endParaRPr kumimoji="1" lang="ja-JP" altLang="en-US"/>
           </a:p>
@@ -3774,7 +3813,7 @@
           <a:p>
             <a:fld id="{B2F25AD1-FC85-472D-BF30-8BF5E2B8F8D2}" type="datetimeFigureOut">
               <a:rPr kumimoji="1" lang="ja-JP" altLang="en-US" smtClean="0"/>
-              <a:t>2016/1/27</a:t>
+              <a:t>2016/2/18</a:t>
             </a:fld>
             <a:endParaRPr kumimoji="1" lang="ja-JP" altLang="en-US"/>
           </a:p>
@@ -4019,7 +4058,7 @@
           <a:p>
             <a:fld id="{B2F25AD1-FC85-472D-BF30-8BF5E2B8F8D2}" type="datetimeFigureOut">
               <a:rPr kumimoji="1" lang="ja-JP" altLang="en-US" smtClean="0"/>
-              <a:t>2016/1/27</a:t>
+              <a:t>2016/2/18</a:t>
             </a:fld>
             <a:endParaRPr kumimoji="1" lang="ja-JP" altLang="en-US"/>
           </a:p>
@@ -4433,7 +4472,7 @@
           <p:nvPr>
             <p:extLst>
               <p:ext uri="{D42A27DB-BD31-4B8C-83A1-F6EECF244321}">
-                <p14:modId xmlns:p14="http://schemas.microsoft.com/office/powerpoint/2010/main" val="2879751409"/>
+                <p14:modId xmlns:p14="http://schemas.microsoft.com/office/powerpoint/2010/main" val="2772533819"/>
               </p:ext>
             </p:extLst>
           </p:nvPr>
